--- a/As_baterias_B1e_B2_de_dois_aparelhos_celulares.pptx
+++ b/As_baterias_B1e_B2_de_dois_aparelhos_celulares.pptx
@@ -7,6 +7,8 @@
   <p:sldIdLst>
     <p:sldId id="257" r:id="rId2"/>
     <p:sldId id="258" r:id="rId3"/>
+    <p:sldId id="259" r:id="rId4"/>
+    <p:sldId id="260" r:id="rId5"/>
   </p:sldIdLst>
   <p:sldSz cx="12192000" cy="6858000"/>
   <p:notesSz cx="6858000" cy="9144000"/>
@@ -260,7 +262,7 @@
           <a:p>
             <a:fld id="{C6F0E2EF-4579-431C-8121-C12D0AC35A00}" type="datetimeFigureOut">
               <a:rPr lang="pt-BR" smtClean="0"/>
-              <a:t>20/05/2022</a:t>
+              <a:t>22/05/2022</a:t>
             </a:fld>
             <a:endParaRPr lang="pt-BR"/>
           </a:p>
@@ -458,7 +460,7 @@
           <a:p>
             <a:fld id="{C6F0E2EF-4579-431C-8121-C12D0AC35A00}" type="datetimeFigureOut">
               <a:rPr lang="pt-BR" smtClean="0"/>
-              <a:t>20/05/2022</a:t>
+              <a:t>22/05/2022</a:t>
             </a:fld>
             <a:endParaRPr lang="pt-BR"/>
           </a:p>
@@ -666,7 +668,7 @@
           <a:p>
             <a:fld id="{C6F0E2EF-4579-431C-8121-C12D0AC35A00}" type="datetimeFigureOut">
               <a:rPr lang="pt-BR" smtClean="0"/>
-              <a:t>20/05/2022</a:t>
+              <a:t>22/05/2022</a:t>
             </a:fld>
             <a:endParaRPr lang="pt-BR"/>
           </a:p>
@@ -864,7 +866,7 @@
           <a:p>
             <a:fld id="{C6F0E2EF-4579-431C-8121-C12D0AC35A00}" type="datetimeFigureOut">
               <a:rPr lang="pt-BR" smtClean="0"/>
-              <a:t>20/05/2022</a:t>
+              <a:t>22/05/2022</a:t>
             </a:fld>
             <a:endParaRPr lang="pt-BR"/>
           </a:p>
@@ -1139,7 +1141,7 @@
           <a:p>
             <a:fld id="{C6F0E2EF-4579-431C-8121-C12D0AC35A00}" type="datetimeFigureOut">
               <a:rPr lang="pt-BR" smtClean="0"/>
-              <a:t>20/05/2022</a:t>
+              <a:t>22/05/2022</a:t>
             </a:fld>
             <a:endParaRPr lang="pt-BR"/>
           </a:p>
@@ -1404,7 +1406,7 @@
           <a:p>
             <a:fld id="{C6F0E2EF-4579-431C-8121-C12D0AC35A00}" type="datetimeFigureOut">
               <a:rPr lang="pt-BR" smtClean="0"/>
-              <a:t>20/05/2022</a:t>
+              <a:t>22/05/2022</a:t>
             </a:fld>
             <a:endParaRPr lang="pt-BR"/>
           </a:p>
@@ -1816,7 +1818,7 @@
           <a:p>
             <a:fld id="{C6F0E2EF-4579-431C-8121-C12D0AC35A00}" type="datetimeFigureOut">
               <a:rPr lang="pt-BR" smtClean="0"/>
-              <a:t>20/05/2022</a:t>
+              <a:t>22/05/2022</a:t>
             </a:fld>
             <a:endParaRPr lang="pt-BR"/>
           </a:p>
@@ -1957,7 +1959,7 @@
           <a:p>
             <a:fld id="{C6F0E2EF-4579-431C-8121-C12D0AC35A00}" type="datetimeFigureOut">
               <a:rPr lang="pt-BR" smtClean="0"/>
-              <a:t>20/05/2022</a:t>
+              <a:t>22/05/2022</a:t>
             </a:fld>
             <a:endParaRPr lang="pt-BR"/>
           </a:p>
@@ -2070,7 +2072,7 @@
           <a:p>
             <a:fld id="{C6F0E2EF-4579-431C-8121-C12D0AC35A00}" type="datetimeFigureOut">
               <a:rPr lang="pt-BR" smtClean="0"/>
-              <a:t>20/05/2022</a:t>
+              <a:t>22/05/2022</a:t>
             </a:fld>
             <a:endParaRPr lang="pt-BR"/>
           </a:p>
@@ -2381,7 +2383,7 @@
           <a:p>
             <a:fld id="{C6F0E2EF-4579-431C-8121-C12D0AC35A00}" type="datetimeFigureOut">
               <a:rPr lang="pt-BR" smtClean="0"/>
-              <a:t>20/05/2022</a:t>
+              <a:t>22/05/2022</a:t>
             </a:fld>
             <a:endParaRPr lang="pt-BR"/>
           </a:p>
@@ -2669,7 +2671,7 @@
           <a:p>
             <a:fld id="{C6F0E2EF-4579-431C-8121-C12D0AC35A00}" type="datetimeFigureOut">
               <a:rPr lang="pt-BR" smtClean="0"/>
-              <a:t>20/05/2022</a:t>
+              <a:t>22/05/2022</a:t>
             </a:fld>
             <a:endParaRPr lang="pt-BR"/>
           </a:p>
@@ -2910,7 +2912,7 @@
           <a:p>
             <a:fld id="{C6F0E2EF-4579-431C-8121-C12D0AC35A00}" type="datetimeFigureOut">
               <a:rPr lang="pt-BR" smtClean="0"/>
-              <a:t>20/05/2022</a:t>
+              <a:t>22/05/2022</a:t>
             </a:fld>
             <a:endParaRPr lang="pt-BR"/>
           </a:p>
@@ -3696,6 +3698,266 @@
 </p:sld>
 </file>
 
+<file path=ppt/slides/slide3.xml><?xml version="1.0" encoding="utf-8"?>
+<p:sld xmlns:a="http://schemas.openxmlformats.org/drawingml/2006/main" xmlns:r="http://schemas.openxmlformats.org/officeDocument/2006/relationships" xmlns:p="http://schemas.openxmlformats.org/presentationml/2006/main">
+  <p:cSld>
+    <p:spTree>
+      <p:nvGrpSpPr>
+        <p:cNvPr id="1" name=""/>
+        <p:cNvGrpSpPr/>
+        <p:nvPr/>
+      </p:nvGrpSpPr>
+      <p:grpSpPr>
+        <a:xfrm>
+          <a:off x="0" y="0"/>
+          <a:ext cx="0" cy="0"/>
+          <a:chOff x="0" y="0"/>
+          <a:chExt cx="0" cy="0"/>
+        </a:xfrm>
+      </p:grpSpPr>
+      <p:sp>
+        <p:nvSpPr>
+          <p:cNvPr id="2" name="Título 1">
+            <a:extLst>
+              <a:ext uri="{FF2B5EF4-FFF2-40B4-BE49-F238E27FC236}">
+                <a16:creationId xmlns:a16="http://schemas.microsoft.com/office/drawing/2014/main" id="{369D53B9-B3E0-4B5C-B6DB-2F153A7BB9B1}"/>
+              </a:ext>
+            </a:extLst>
+          </p:cNvPr>
+          <p:cNvSpPr>
+            <a:spLocks noGrp="1"/>
+          </p:cNvSpPr>
+          <p:nvPr>
+            <p:ph type="title"/>
+          </p:nvPr>
+        </p:nvSpPr>
+        <p:spPr/>
+        <p:txBody>
+          <a:bodyPr/>
+          <a:lstStyle/>
+          <a:p>
+            <a:r>
+              <a:rPr lang="pt-BR" dirty="0"/>
+              <a:t>Resposta: D) 4</a:t>
+            </a:r>
+          </a:p>
+        </p:txBody>
+      </p:sp>
+      <p:sp>
+        <p:nvSpPr>
+          <p:cNvPr id="3" name="Espaço Reservado para Conteúdo 2">
+            <a:extLst>
+              <a:ext uri="{FF2B5EF4-FFF2-40B4-BE49-F238E27FC236}">
+                <a16:creationId xmlns:a16="http://schemas.microsoft.com/office/drawing/2014/main" id="{B2D3D632-F44F-4C4B-8B39-67F9D1C02D75}"/>
+              </a:ext>
+            </a:extLst>
+          </p:cNvPr>
+          <p:cNvSpPr>
+            <a:spLocks noGrp="1"/>
+          </p:cNvSpPr>
+          <p:nvPr>
+            <p:ph idx="1"/>
+          </p:nvPr>
+        </p:nvSpPr>
+        <p:spPr/>
+        <p:txBody>
+          <a:bodyPr>
+            <a:normAutofit fontScale="92500" lnSpcReduction="10000"/>
+          </a:bodyPr>
+          <a:lstStyle/>
+          <a:p>
+            <a:r>
+              <a:rPr lang="pt-BR" dirty="0"/>
+              <a:t>De acordo com o gráfico é possível observar que o</a:t>
+            </a:r>
+            <a:r>
+              <a:rPr lang="pt-BR" b="1" dirty="0"/>
+              <a:t> tempo que B1 leva para perder 25%</a:t>
+            </a:r>
+            <a:r>
+              <a:rPr lang="pt-BR" dirty="0"/>
+              <a:t> é o mesmo tempo que B2 leva para perder 15%.</a:t>
+            </a:r>
+          </a:p>
+          <a:p>
+            <a:r>
+              <a:rPr lang="pt-BR" dirty="0"/>
+              <a:t>Considerando que em t horas, </a:t>
+            </a:r>
+            <a:r>
+              <a:rPr lang="pt-BR" b="1" dirty="0"/>
+              <a:t>B1 irá perder 100% da sua carga</a:t>
+            </a:r>
+            <a:r>
+              <a:rPr lang="pt-BR" dirty="0"/>
+              <a:t>, então, em t/100 horas e irá perder 1% da sua carga, e em 25t/100, irá perder 25% da sua carga.</a:t>
+            </a:r>
+          </a:p>
+          <a:p>
+            <a:r>
+              <a:rPr lang="pt-BR" dirty="0"/>
+              <a:t>Se em </a:t>
+            </a:r>
+            <a:r>
+              <a:rPr lang="pt-BR" b="1" dirty="0"/>
+              <a:t>t + 2 horas, B2 vai perder 90% da carga</a:t>
+            </a:r>
+            <a:r>
+              <a:rPr lang="pt-BR" dirty="0"/>
+              <a:t>, então (t + 2)/90 horas, ele então vai perder 1% de sua carga e em 15(t + 2)/90 horas vai perder 15% de sua carga.</a:t>
+            </a:r>
+          </a:p>
+          <a:p>
+            <a:endParaRPr lang="pt-BR" dirty="0"/>
+          </a:p>
+          <a:p>
+            <a:pPr marL="0" indent="0">
+              <a:buNone/>
+            </a:pPr>
+            <a:r>
+              <a:rPr lang="pt-BR" dirty="0"/>
+              <a:t>Dessa forma, temos que:</a:t>
+            </a:r>
+          </a:p>
+          <a:p>
+            <a:pPr marL="0" indent="0">
+              <a:buNone/>
+            </a:pPr>
+            <a:r>
+              <a:rPr lang="pt-BR" dirty="0"/>
+              <a:t>25t/100 = (15t + 30)/90 →</a:t>
+            </a:r>
+            <a:r>
+              <a:rPr lang="pt-BR" b="1" dirty="0"/>
+              <a:t> t = 4</a:t>
+            </a:r>
+            <a:endParaRPr lang="pt-BR" dirty="0"/>
+          </a:p>
+          <a:p>
+            <a:endParaRPr lang="pt-BR" dirty="0"/>
+          </a:p>
+        </p:txBody>
+      </p:sp>
+    </p:spTree>
+    <p:extLst>
+      <p:ext uri="{BB962C8B-B14F-4D97-AF65-F5344CB8AC3E}">
+        <p14:creationId xmlns:p14="http://schemas.microsoft.com/office/powerpoint/2010/main" val="1294451795"/>
+      </p:ext>
+    </p:extLst>
+  </p:cSld>
+  <p:clrMapOvr>
+    <a:masterClrMapping/>
+  </p:clrMapOvr>
+</p:sld>
+</file>
+
+<file path=ppt/slides/slide4.xml><?xml version="1.0" encoding="utf-8"?>
+<p:sld xmlns:a="http://schemas.openxmlformats.org/drawingml/2006/main" xmlns:r="http://schemas.openxmlformats.org/officeDocument/2006/relationships" xmlns:p="http://schemas.openxmlformats.org/presentationml/2006/main">
+  <p:cSld>
+    <p:spTree>
+      <p:nvGrpSpPr>
+        <p:cNvPr id="1" name=""/>
+        <p:cNvGrpSpPr/>
+        <p:nvPr/>
+      </p:nvGrpSpPr>
+      <p:grpSpPr>
+        <a:xfrm>
+          <a:off x="0" y="0"/>
+          <a:ext cx="0" cy="0"/>
+          <a:chOff x="0" y="0"/>
+          <a:chExt cx="0" cy="0"/>
+        </a:xfrm>
+      </p:grpSpPr>
+      <p:sp>
+        <p:nvSpPr>
+          <p:cNvPr id="2" name="Título 1">
+            <a:extLst>
+              <a:ext uri="{FF2B5EF4-FFF2-40B4-BE49-F238E27FC236}">
+                <a16:creationId xmlns:a16="http://schemas.microsoft.com/office/drawing/2014/main" id="{B4C7F13E-F6FF-4A06-99C2-89F924A90D1A}"/>
+              </a:ext>
+            </a:extLst>
+          </p:cNvPr>
+          <p:cNvSpPr>
+            <a:spLocks noGrp="1"/>
+          </p:cNvSpPr>
+          <p:nvPr>
+            <p:ph type="title"/>
+          </p:nvPr>
+        </p:nvSpPr>
+        <p:spPr/>
+        <p:txBody>
+          <a:bodyPr/>
+          <a:lstStyle/>
+          <a:p>
+            <a:r>
+              <a:rPr lang="pt-BR" dirty="0"/>
+              <a:t>Maneira alternativa:</a:t>
+            </a:r>
+          </a:p>
+        </p:txBody>
+      </p:sp>
+      <p:pic>
+        <p:nvPicPr>
+          <p:cNvPr id="1026" name="Picture 2">
+            <a:extLst>
+              <a:ext uri="{FF2B5EF4-FFF2-40B4-BE49-F238E27FC236}">
+                <a16:creationId xmlns:a16="http://schemas.microsoft.com/office/drawing/2014/main" id="{C62D04B3-0CA8-4695-94D6-7B247C1409FD}"/>
+              </a:ext>
+            </a:extLst>
+          </p:cNvPr>
+          <p:cNvPicPr>
+            <a:picLocks noGrp="1" noChangeAspect="1" noChangeArrowheads="1"/>
+          </p:cNvPicPr>
+          <p:nvPr>
+            <p:ph idx="1"/>
+          </p:nvPr>
+        </p:nvPicPr>
+        <p:blipFill>
+          <a:blip r:embed="rId2">
+            <a:extLst>
+              <a:ext uri="{28A0092B-C50C-407E-A947-70E740481C1C}">
+                <a14:useLocalDpi xmlns:a14="http://schemas.microsoft.com/office/drawing/2010/main" val="0"/>
+              </a:ext>
+            </a:extLst>
+          </a:blip>
+          <a:srcRect/>
+          <a:stretch>
+            <a:fillRect/>
+          </a:stretch>
+        </p:blipFill>
+        <p:spPr bwMode="auto">
+          <a:xfrm>
+            <a:off x="838200" y="2219288"/>
+            <a:ext cx="10515600" cy="3564012"/>
+          </a:xfrm>
+          <a:prstGeom prst="rect">
+            <a:avLst/>
+          </a:prstGeom>
+          <a:noFill/>
+          <a:extLst>
+            <a:ext uri="{909E8E84-426E-40DD-AFC4-6F175D3DCCD1}">
+              <a14:hiddenFill xmlns:a14="http://schemas.microsoft.com/office/drawing/2010/main">
+                <a:solidFill>
+                  <a:srgbClr val="FFFFFF"/>
+                </a:solidFill>
+              </a14:hiddenFill>
+            </a:ext>
+          </a:extLst>
+        </p:spPr>
+      </p:pic>
+    </p:spTree>
+    <p:extLst>
+      <p:ext uri="{BB962C8B-B14F-4D97-AF65-F5344CB8AC3E}">
+        <p14:creationId xmlns:p14="http://schemas.microsoft.com/office/powerpoint/2010/main" val="4131358830"/>
+      </p:ext>
+    </p:extLst>
+  </p:cSld>
+  <p:clrMapOvr>
+    <a:masterClrMapping/>
+  </p:clrMapOvr>
+</p:sld>
+</file>
+
 <file path=ppt/theme/theme1.xml><?xml version="1.0" encoding="utf-8"?>
 <a:theme xmlns:a="http://schemas.openxmlformats.org/drawingml/2006/main" name="Tema do Office">
   <a:themeElements>
